--- a/Apache Nifi.pptx
+++ b/Apache Nifi.pptx
@@ -5,7 +5,7 @@
     <p:sldMasterId id="2147483660" r:id="rId1"/>
   </p:sldMasterIdLst>
   <p:notesMasterIdLst>
-    <p:notesMasterId r:id="rId23"/>
+    <p:notesMasterId r:id="rId34"/>
   </p:notesMasterIdLst>
   <p:sldIdLst>
     <p:sldId id="256" r:id="rId2"/>
@@ -26,9 +26,20 @@
     <p:sldId id="270" r:id="rId17"/>
     <p:sldId id="271" r:id="rId18"/>
     <p:sldId id="272" r:id="rId19"/>
-    <p:sldId id="273" r:id="rId20"/>
-    <p:sldId id="274" r:id="rId21"/>
-    <p:sldId id="275" r:id="rId22"/>
+    <p:sldId id="278" r:id="rId20"/>
+    <p:sldId id="273" r:id="rId21"/>
+    <p:sldId id="274" r:id="rId22"/>
+    <p:sldId id="275" r:id="rId23"/>
+    <p:sldId id="279" r:id="rId24"/>
+    <p:sldId id="280" r:id="rId25"/>
+    <p:sldId id="281" r:id="rId26"/>
+    <p:sldId id="282" r:id="rId27"/>
+    <p:sldId id="283" r:id="rId28"/>
+    <p:sldId id="284" r:id="rId29"/>
+    <p:sldId id="285" r:id="rId30"/>
+    <p:sldId id="286" r:id="rId31"/>
+    <p:sldId id="287" r:id="rId32"/>
+    <p:sldId id="288" r:id="rId33"/>
   </p:sldIdLst>
   <p:sldSz cx="12192000" cy="6858000"/>
   <p:notesSz cx="6858000" cy="9144000"/>
@@ -217,7 +228,7 @@
           <a:p>
             <a:fld id="{8694E584-DAE7-4A9D-BB14-033F4888C434}" type="datetimeFigureOut">
               <a:rPr lang="en-IN" smtClean="0"/>
-              <a:t>2020/03/18</a:t>
+              <a:t>2020/03/27</a:t>
             </a:fld>
             <a:endParaRPr lang="en-IN"/>
           </a:p>
@@ -839,7 +850,7 @@
           <a:p>
             <a:fld id="{E87F774F-3E14-464D-9FF3-6993C74A2DEE}" type="datetimeFigureOut">
               <a:rPr lang="en-IN" smtClean="0"/>
-              <a:t>2020/03/18</a:t>
+              <a:t>2020/03/27</a:t>
             </a:fld>
             <a:endParaRPr lang="en-IN"/>
           </a:p>
@@ -1114,7 +1125,7 @@
           <a:p>
             <a:fld id="{E87F774F-3E14-464D-9FF3-6993C74A2DEE}" type="datetimeFigureOut">
               <a:rPr lang="en-IN" smtClean="0"/>
-              <a:t>2020/03/18</a:t>
+              <a:t>2020/03/27</a:t>
             </a:fld>
             <a:endParaRPr lang="en-IN"/>
           </a:p>
@@ -1308,7 +1319,7 @@
           <a:p>
             <a:fld id="{E87F774F-3E14-464D-9FF3-6993C74A2DEE}" type="datetimeFigureOut">
               <a:rPr lang="en-IN" smtClean="0"/>
-              <a:t>2020/03/18</a:t>
+              <a:t>2020/03/27</a:t>
             </a:fld>
             <a:endParaRPr lang="en-IN"/>
           </a:p>
@@ -1581,7 +1592,7 @@
           <a:p>
             <a:fld id="{E87F774F-3E14-464D-9FF3-6993C74A2DEE}" type="datetimeFigureOut">
               <a:rPr lang="en-IN" smtClean="0"/>
-              <a:t>2020/03/18</a:t>
+              <a:t>2020/03/27</a:t>
             </a:fld>
             <a:endParaRPr lang="en-IN"/>
           </a:p>
@@ -1922,7 +1933,7 @@
           <a:p>
             <a:fld id="{E87F774F-3E14-464D-9FF3-6993C74A2DEE}" type="datetimeFigureOut">
               <a:rPr lang="en-IN" smtClean="0"/>
-              <a:t>2020/03/18</a:t>
+              <a:t>2020/03/27</a:t>
             </a:fld>
             <a:endParaRPr lang="en-IN"/>
           </a:p>
@@ -2545,7 +2556,7 @@
           <a:p>
             <a:fld id="{E87F774F-3E14-464D-9FF3-6993C74A2DEE}" type="datetimeFigureOut">
               <a:rPr lang="en-IN" smtClean="0"/>
-              <a:t>2020/03/18</a:t>
+              <a:t>2020/03/27</a:t>
             </a:fld>
             <a:endParaRPr lang="en-IN"/>
           </a:p>
@@ -3405,7 +3416,7 @@
           <a:p>
             <a:fld id="{E87F774F-3E14-464D-9FF3-6993C74A2DEE}" type="datetimeFigureOut">
               <a:rPr lang="en-IN" smtClean="0"/>
-              <a:t>2020/03/18</a:t>
+              <a:t>2020/03/27</a:t>
             </a:fld>
             <a:endParaRPr lang="en-IN"/>
           </a:p>
@@ -3575,7 +3586,7 @@
           <a:p>
             <a:fld id="{E87F774F-3E14-464D-9FF3-6993C74A2DEE}" type="datetimeFigureOut">
               <a:rPr lang="en-IN" smtClean="0"/>
-              <a:t>2020/03/18</a:t>
+              <a:t>2020/03/27</a:t>
             </a:fld>
             <a:endParaRPr lang="en-IN"/>
           </a:p>
@@ -3755,7 +3766,7 @@
           <a:p>
             <a:fld id="{E87F774F-3E14-464D-9FF3-6993C74A2DEE}" type="datetimeFigureOut">
               <a:rPr lang="en-IN" smtClean="0"/>
-              <a:t>2020/03/18</a:t>
+              <a:t>2020/03/27</a:t>
             </a:fld>
             <a:endParaRPr lang="en-IN"/>
           </a:p>
@@ -3925,7 +3936,7 @@
           <a:p>
             <a:fld id="{E87F774F-3E14-464D-9FF3-6993C74A2DEE}" type="datetimeFigureOut">
               <a:rPr lang="en-IN" smtClean="0"/>
-              <a:t>2020/03/18</a:t>
+              <a:t>2020/03/27</a:t>
             </a:fld>
             <a:endParaRPr lang="en-IN"/>
           </a:p>
@@ -4172,7 +4183,7 @@
           <a:p>
             <a:fld id="{E87F774F-3E14-464D-9FF3-6993C74A2DEE}" type="datetimeFigureOut">
               <a:rPr lang="en-IN" smtClean="0"/>
-              <a:t>2020/03/18</a:t>
+              <a:t>2020/03/27</a:t>
             </a:fld>
             <a:endParaRPr lang="en-IN"/>
           </a:p>
@@ -4464,7 +4475,7 @@
           <a:p>
             <a:fld id="{E87F774F-3E14-464D-9FF3-6993C74A2DEE}" type="datetimeFigureOut">
               <a:rPr lang="en-IN" smtClean="0"/>
-              <a:t>2020/03/18</a:t>
+              <a:t>2020/03/27</a:t>
             </a:fld>
             <a:endParaRPr lang="en-IN"/>
           </a:p>
@@ -4908,7 +4919,7 @@
           <a:p>
             <a:fld id="{E87F774F-3E14-464D-9FF3-6993C74A2DEE}" type="datetimeFigureOut">
               <a:rPr lang="en-IN" smtClean="0"/>
-              <a:t>2020/03/18</a:t>
+              <a:t>2020/03/27</a:t>
             </a:fld>
             <a:endParaRPr lang="en-IN"/>
           </a:p>
@@ -5026,7 +5037,7 @@
           <a:p>
             <a:fld id="{E87F774F-3E14-464D-9FF3-6993C74A2DEE}" type="datetimeFigureOut">
               <a:rPr lang="en-IN" smtClean="0"/>
-              <a:t>2020/03/18</a:t>
+              <a:t>2020/03/27</a:t>
             </a:fld>
             <a:endParaRPr lang="en-IN"/>
           </a:p>
@@ -5121,7 +5132,7 @@
           <a:p>
             <a:fld id="{E87F774F-3E14-464D-9FF3-6993C74A2DEE}" type="datetimeFigureOut">
               <a:rPr lang="en-IN" smtClean="0"/>
-              <a:t>2020/03/18</a:t>
+              <a:t>2020/03/27</a:t>
             </a:fld>
             <a:endParaRPr lang="en-IN"/>
           </a:p>
@@ -5400,7 +5411,7 @@
           <a:p>
             <a:fld id="{E87F774F-3E14-464D-9FF3-6993C74A2DEE}" type="datetimeFigureOut">
               <a:rPr lang="en-IN" smtClean="0"/>
-              <a:t>2020/03/18</a:t>
+              <a:t>2020/03/27</a:t>
             </a:fld>
             <a:endParaRPr lang="en-IN"/>
           </a:p>
@@ -5675,7 +5686,7 @@
           <a:p>
             <a:fld id="{E87F774F-3E14-464D-9FF3-6993C74A2DEE}" type="datetimeFigureOut">
               <a:rPr lang="en-IN" smtClean="0"/>
-              <a:t>2020/03/18</a:t>
+              <a:t>2020/03/27</a:t>
             </a:fld>
             <a:endParaRPr lang="en-IN"/>
           </a:p>
@@ -6104,7 +6115,7 @@
           <a:p>
             <a:fld id="{E87F774F-3E14-464D-9FF3-6993C74A2DEE}" type="datetimeFigureOut">
               <a:rPr lang="en-IN" smtClean="0"/>
-              <a:t>2020/03/18</a:t>
+              <a:t>2020/03/27</a:t>
             </a:fld>
             <a:endParaRPr lang="en-IN"/>
           </a:p>
@@ -8042,6 +8053,23 @@
               <a:t>-MM-dd-HH-mm-ss")})}</a:t>
             </a:r>
           </a:p>
+          <a:p>
+            <a:r>
+              <a:rPr lang="en-IN" dirty="0"/>
+              <a:t>${hostname()}-${now():format("</a:t>
+            </a:r>
+            <a:r>
+              <a:rPr lang="en-IN" dirty="0" err="1"/>
+              <a:t>yyyy</a:t>
+            </a:r>
+            <a:r>
+              <a:rPr lang="en-IN" dirty="0"/>
+              <a:t>-MM-dd-HH-mm-ss")}- ${filename}</a:t>
+            </a:r>
+          </a:p>
+          <a:p>
+            <a:endParaRPr lang="en-IN" dirty="0"/>
+          </a:p>
         </p:txBody>
       </p:sp>
     </p:spTree>
@@ -8575,7 +8603,7 @@
           <p:cNvPr id="2" name="Title 1">
             <a:extLst>
               <a:ext uri="{FF2B5EF4-FFF2-40B4-BE49-F238E27FC236}">
-                <a16:creationId xmlns:a16="http://schemas.microsoft.com/office/drawing/2014/main" id="{C04BEECA-0699-4892-9959-E7E23A6F604C}"/>
+                <a16:creationId xmlns:a16="http://schemas.microsoft.com/office/drawing/2014/main" id="{A714E130-05CC-4FE4-846E-CDC5C26049AD}"/>
               </a:ext>
             </a:extLst>
           </p:cNvPr>
@@ -8591,11 +8619,7 @@
           <a:bodyPr/>
           <a:lstStyle/>
           <a:p>
-            <a:r>
-              <a:rPr lang="en-US" dirty="0"/>
-              <a:t>Connecting Components</a:t>
-            </a:r>
-            <a:endParaRPr lang="en-IN" dirty="0"/>
+            <a:endParaRPr lang="en-IN"/>
           </a:p>
         </p:txBody>
       </p:sp>
@@ -8604,7 +8628,7 @@
           <p:cNvPr id="3" name="Content Placeholder 2">
             <a:extLst>
               <a:ext uri="{FF2B5EF4-FFF2-40B4-BE49-F238E27FC236}">
-                <a16:creationId xmlns:a16="http://schemas.microsoft.com/office/drawing/2014/main" id="{A18E052A-661E-4893-A2D8-0CFE748A1ECD}"/>
+                <a16:creationId xmlns:a16="http://schemas.microsoft.com/office/drawing/2014/main" id="{B15B0796-7D22-4285-96C3-2974E89D766B}"/>
               </a:ext>
             </a:extLst>
           </p:cNvPr>
@@ -8618,82 +8642,48 @@
         <p:spPr/>
         <p:txBody>
           <a:bodyPr>
-            <a:normAutofit fontScale="85000" lnSpcReduction="20000"/>
+            <a:normAutofit fontScale="92500" lnSpcReduction="10000"/>
           </a:bodyPr>
           <a:lstStyle/>
           <a:p>
             <a:r>
-              <a:rPr lang="en-US" dirty="0"/>
-              <a:t>Back Pressure - How much data should be allowed to exist in the queue before the component that is the source of the connection is no longer scheduled to run</a:t>
-            </a:r>
-          </a:p>
-          <a:p>
-            <a:r>
-              <a:rPr lang="en-US" dirty="0"/>
-              <a:t>Back pressure object threshold</a:t>
-            </a:r>
-          </a:p>
-          <a:p>
-            <a:r>
-              <a:rPr lang="en-US" dirty="0"/>
-              <a:t>Back pressure data size threshold (B for bytes, KB for kilobytes and MB for megabytes and so on</a:t>
-            </a:r>
-          </a:p>
-          <a:p>
-            <a:r>
-              <a:rPr lang="en-US" dirty="0"/>
-              <a:t>Default back pressure object threshold of 10000 objects and 1GB of back pressure data size.</a:t>
-            </a:r>
-          </a:p>
-          <a:p>
-            <a:r>
-              <a:rPr lang="en-US" dirty="0"/>
-              <a:t>Prioritization</a:t>
+              <a:rPr lang="en-IN" dirty="0"/>
+              <a:t>If you do any data processing multiple steps must be involved in the as well as multiple processors also need to involve to complete your dataflow</a:t>
+            </a:r>
+          </a:p>
+          <a:p>
+            <a:r>
+              <a:rPr lang="en-IN" dirty="0"/>
+              <a:t>Connecting these multiple processers in nifi can be done by connection components where it will help you to transfer the floe file from one processor to another processor</a:t>
+            </a:r>
+          </a:p>
+          <a:p>
+            <a:r>
+              <a:rPr lang="en-IN" dirty="0"/>
+              <a:t>Each processor will be adding value/ it will do action against your original data along with attributes</a:t>
+            </a:r>
+          </a:p>
+          <a:p>
+            <a:r>
+              <a:rPr lang="en-IN" dirty="0"/>
+              <a:t>Key configuration available in connecting components are</a:t>
             </a:r>
           </a:p>
           <a:p>
             <a:pPr lvl="1"/>
             <a:r>
-              <a:rPr lang="en-US" dirty="0" err="1"/>
-              <a:t>FirstInFirstOutPrioritizer</a:t>
-            </a:r>
-            <a:r>
-              <a:rPr lang="en-US" dirty="0"/>
-              <a:t> - The one that reached the connection first will be processed first</a:t>
-            </a:r>
-          </a:p>
-          <a:p>
-            <a:pPr lvl="1"/>
-            <a:r>
-              <a:rPr lang="en-US" dirty="0" err="1"/>
-              <a:t>NewestFlowFileFirstPrioritizer</a:t>
-            </a:r>
-            <a:r>
-              <a:rPr lang="en-US" dirty="0"/>
-              <a:t> - The one that is newest in the dataflow will be processed first.</a:t>
-            </a:r>
-          </a:p>
-          <a:p>
-            <a:pPr lvl="1"/>
-            <a:r>
-              <a:rPr lang="en-US" dirty="0" err="1"/>
-              <a:t>OldestFlowFileFirstPrioritizer</a:t>
-            </a:r>
-            <a:r>
-              <a:rPr lang="en-US" dirty="0"/>
-              <a:t> - The one that is oldest in the dataflow will be processed first. 'default’</a:t>
-            </a:r>
-          </a:p>
-          <a:p>
-            <a:pPr lvl="1"/>
-            <a:r>
-              <a:rPr lang="en-US" dirty="0" err="1"/>
-              <a:t>PriorityAttributePrioritizer</a:t>
-            </a:r>
-            <a:r>
-              <a:rPr lang="en-US" dirty="0"/>
-              <a:t>- Processed based on the value of "priority" attribute</a:t>
-            </a:r>
+              <a:rPr lang="en-IN" dirty="0"/>
+              <a:t>Flow file expiration</a:t>
+            </a:r>
+          </a:p>
+          <a:p>
+            <a:pPr lvl="2"/>
+            <a:r>
+              <a:rPr lang="en-IN" dirty="0"/>
+              <a:t>Whenever the flow file is getting transferred form one component to another component, it might take some delay or component some might not ready to accept the flow file because of down, connectivity issue, we can expire the particular flow file</a:t>
+            </a:r>
+          </a:p>
+          <a:p>
             <a:endParaRPr lang="en-IN" dirty="0"/>
           </a:p>
         </p:txBody>
@@ -8701,7 +8691,7 @@
     </p:spTree>
     <p:extLst>
       <p:ext uri="{BB962C8B-B14F-4D97-AF65-F5344CB8AC3E}">
-        <p14:creationId xmlns:p14="http://schemas.microsoft.com/office/powerpoint/2010/main" val="4183054052"/>
+        <p14:creationId xmlns:p14="http://schemas.microsoft.com/office/powerpoint/2010/main" val="2367226339"/>
       </p:ext>
     </p:extLst>
   </p:cSld>
@@ -9805,7 +9795,7 @@
           <p:cNvPr id="2" name="Title 1">
             <a:extLst>
               <a:ext uri="{FF2B5EF4-FFF2-40B4-BE49-F238E27FC236}">
-                <a16:creationId xmlns:a16="http://schemas.microsoft.com/office/drawing/2014/main" id="{F6B4BFA8-C644-4568-9B91-99FA985C6662}"/>
+                <a16:creationId xmlns:a16="http://schemas.microsoft.com/office/drawing/2014/main" id="{C04BEECA-0699-4892-9959-E7E23A6F604C}"/>
               </a:ext>
             </a:extLst>
           </p:cNvPr>
@@ -9823,7 +9813,7 @@
           <a:p>
             <a:r>
               <a:rPr lang="en-US" dirty="0"/>
-              <a:t>Connection Context Menu</a:t>
+              <a:t>Connecting Components</a:t>
             </a:r>
             <a:endParaRPr lang="en-IN" dirty="0"/>
           </a:p>
@@ -9834,7 +9824,7 @@
           <p:cNvPr id="3" name="Content Placeholder 2">
             <a:extLst>
               <a:ext uri="{FF2B5EF4-FFF2-40B4-BE49-F238E27FC236}">
-                <a16:creationId xmlns:a16="http://schemas.microsoft.com/office/drawing/2014/main" id="{C0112A5C-5815-48E4-8E51-389BDD5D41CB}"/>
+                <a16:creationId xmlns:a16="http://schemas.microsoft.com/office/drawing/2014/main" id="{A18E052A-661E-4893-A2D8-0CFE748A1ECD}"/>
               </a:ext>
             </a:extLst>
           </p:cNvPr>
@@ -9848,55 +9838,81 @@
         <p:spPr/>
         <p:txBody>
           <a:bodyPr>
-            <a:normAutofit fontScale="92500" lnSpcReduction="10000"/>
+            <a:normAutofit fontScale="85000" lnSpcReduction="20000"/>
           </a:bodyPr>
           <a:lstStyle/>
           <a:p>
             <a:r>
               <a:rPr lang="en-US" dirty="0"/>
-              <a:t>Configure: To change the configuration of the connection.</a:t>
+              <a:t>Back Pressure - How much data should be allowed to exist in the queue before the component that is the source of the connection is no longer scheduled to run</a:t>
             </a:r>
           </a:p>
           <a:p>
             <a:r>
               <a:rPr lang="en-US" dirty="0"/>
-              <a:t>View status history: Connection's statistical information.</a:t>
+              <a:t>Back pressure object threshold</a:t>
             </a:r>
           </a:p>
           <a:p>
             <a:r>
               <a:rPr lang="en-US" dirty="0"/>
-              <a:t>List queue: Lists the queue of FlowFile that may be waiting to be processed.</a:t>
+              <a:t>Back pressure data size threshold (B for bytes, KB for kilobytes and MB for megabytes and so on</a:t>
             </a:r>
           </a:p>
           <a:p>
             <a:r>
               <a:rPr lang="en-US" dirty="0"/>
-              <a:t>Go to source: The view of the canvas will jump to the source of the connection.</a:t>
+              <a:t>Default back pressure object threshold of 10000 objects and 1GB of back pressure data size.</a:t>
             </a:r>
           </a:p>
           <a:p>
             <a:r>
               <a:rPr lang="en-US" dirty="0"/>
-              <a:t>Go to destination: Changes the view to the destination component on the canvas .</a:t>
-            </a:r>
-          </a:p>
-          <a:p>
+              <a:t>Prioritization</a:t>
+            </a:r>
+          </a:p>
+          <a:p>
+            <a:pPr lvl="1"/>
+            <a:r>
+              <a:rPr lang="en-US" dirty="0" err="1"/>
+              <a:t>FirstInFirstOutPrioritizer</a:t>
+            </a:r>
             <a:r>
               <a:rPr lang="en-US" dirty="0"/>
-              <a:t>Bring to front: Brings the connection to the front of the canvas.</a:t>
-            </a:r>
-          </a:p>
-          <a:p>
+              <a:t> - The one that reached the connection first will be processed first</a:t>
+            </a:r>
+          </a:p>
+          <a:p>
+            <a:pPr lvl="1"/>
+            <a:r>
+              <a:rPr lang="en-US" dirty="0" err="1"/>
+              <a:t>NewestFlowFileFirstPrioritizer</a:t>
+            </a:r>
             <a:r>
               <a:rPr lang="en-US" dirty="0"/>
-              <a:t>Empty queue: To clear the queue of FlowFile that may be waiting to be processed.</a:t>
-            </a:r>
-          </a:p>
-          <a:p>
+              <a:t> - The one that is newest in the dataflow will be processed first.</a:t>
+            </a:r>
+          </a:p>
+          <a:p>
+            <a:pPr lvl="1"/>
+            <a:r>
+              <a:rPr lang="en-US" dirty="0" err="1"/>
+              <a:t>OldestFlowFileFirstPrioritizer</a:t>
+            </a:r>
             <a:r>
               <a:rPr lang="en-US" dirty="0"/>
-              <a:t>Delete: To delete a connection between two components.</a:t>
+              <a:t> - The one that is oldest in the dataflow will be processed first. 'default’</a:t>
+            </a:r>
+          </a:p>
+          <a:p>
+            <a:pPr lvl="1"/>
+            <a:r>
+              <a:rPr lang="en-US" dirty="0" err="1"/>
+              <a:t>PriorityAttributePrioritizer</a:t>
+            </a:r>
+            <a:r>
+              <a:rPr lang="en-US" dirty="0"/>
+              <a:t>- Processed based on the value of "priority" attribute</a:t>
             </a:r>
             <a:endParaRPr lang="en-IN" dirty="0"/>
           </a:p>
@@ -9905,7 +9921,7 @@
     </p:spTree>
     <p:extLst>
       <p:ext uri="{BB962C8B-B14F-4D97-AF65-F5344CB8AC3E}">
-        <p14:creationId xmlns:p14="http://schemas.microsoft.com/office/powerpoint/2010/main" val="2955071246"/>
+        <p14:creationId xmlns:p14="http://schemas.microsoft.com/office/powerpoint/2010/main" val="4183054052"/>
       </p:ext>
     </p:extLst>
   </p:cSld>
@@ -9937,6 +9953,138 @@
           <p:cNvPr id="2" name="Title 1">
             <a:extLst>
               <a:ext uri="{FF2B5EF4-FFF2-40B4-BE49-F238E27FC236}">
+                <a16:creationId xmlns:a16="http://schemas.microsoft.com/office/drawing/2014/main" id="{F6B4BFA8-C644-4568-9B91-99FA985C6662}"/>
+              </a:ext>
+            </a:extLst>
+          </p:cNvPr>
+          <p:cNvSpPr>
+            <a:spLocks noGrp="1"/>
+          </p:cNvSpPr>
+          <p:nvPr>
+            <p:ph type="title"/>
+          </p:nvPr>
+        </p:nvSpPr>
+        <p:spPr/>
+        <p:txBody>
+          <a:bodyPr/>
+          <a:lstStyle/>
+          <a:p>
+            <a:r>
+              <a:rPr lang="en-US" dirty="0"/>
+              <a:t>Connection Context Menu</a:t>
+            </a:r>
+            <a:endParaRPr lang="en-IN" dirty="0"/>
+          </a:p>
+        </p:txBody>
+      </p:sp>
+      <p:sp>
+        <p:nvSpPr>
+          <p:cNvPr id="3" name="Content Placeholder 2">
+            <a:extLst>
+              <a:ext uri="{FF2B5EF4-FFF2-40B4-BE49-F238E27FC236}">
+                <a16:creationId xmlns:a16="http://schemas.microsoft.com/office/drawing/2014/main" id="{C0112A5C-5815-48E4-8E51-389BDD5D41CB}"/>
+              </a:ext>
+            </a:extLst>
+          </p:cNvPr>
+          <p:cNvSpPr>
+            <a:spLocks noGrp="1"/>
+          </p:cNvSpPr>
+          <p:nvPr>
+            <p:ph idx="1"/>
+          </p:nvPr>
+        </p:nvSpPr>
+        <p:spPr/>
+        <p:txBody>
+          <a:bodyPr>
+            <a:normAutofit fontScale="92500" lnSpcReduction="10000"/>
+          </a:bodyPr>
+          <a:lstStyle/>
+          <a:p>
+            <a:r>
+              <a:rPr lang="en-US" dirty="0"/>
+              <a:t>Configure: To change the configuration of the connection.</a:t>
+            </a:r>
+          </a:p>
+          <a:p>
+            <a:r>
+              <a:rPr lang="en-US" dirty="0"/>
+              <a:t>View status history: Connection's statistical information.</a:t>
+            </a:r>
+          </a:p>
+          <a:p>
+            <a:r>
+              <a:rPr lang="en-US" dirty="0"/>
+              <a:t>List queue: Lists the queue of FlowFile that may be waiting to be processed.</a:t>
+            </a:r>
+          </a:p>
+          <a:p>
+            <a:r>
+              <a:rPr lang="en-US" dirty="0"/>
+              <a:t>Go to source: The view of the canvas will jump to the source of the connection.</a:t>
+            </a:r>
+          </a:p>
+          <a:p>
+            <a:r>
+              <a:rPr lang="en-US" dirty="0"/>
+              <a:t>Go to destination: Changes the view to the destination component on the canvas .</a:t>
+            </a:r>
+          </a:p>
+          <a:p>
+            <a:r>
+              <a:rPr lang="en-US" dirty="0"/>
+              <a:t>Bring to front: Brings the connection to the front of the canvas.</a:t>
+            </a:r>
+          </a:p>
+          <a:p>
+            <a:r>
+              <a:rPr lang="en-US" dirty="0"/>
+              <a:t>Empty queue: To clear the queue of FlowFile that may be waiting to be processed.</a:t>
+            </a:r>
+          </a:p>
+          <a:p>
+            <a:r>
+              <a:rPr lang="en-US" dirty="0"/>
+              <a:t>Delete: To delete a connection between two components.</a:t>
+            </a:r>
+            <a:endParaRPr lang="en-IN" dirty="0"/>
+          </a:p>
+        </p:txBody>
+      </p:sp>
+    </p:spTree>
+    <p:extLst>
+      <p:ext uri="{BB962C8B-B14F-4D97-AF65-F5344CB8AC3E}">
+        <p14:creationId xmlns:p14="http://schemas.microsoft.com/office/powerpoint/2010/main" val="2955071246"/>
+      </p:ext>
+    </p:extLst>
+  </p:cSld>
+  <p:clrMapOvr>
+    <a:masterClrMapping/>
+  </p:clrMapOvr>
+</p:sld>
+</file>
+
+<file path=ppt/slides/slide22.xml><?xml version="1.0" encoding="utf-8"?>
+<p:sld xmlns:a="http://schemas.openxmlformats.org/drawingml/2006/main" xmlns:r="http://schemas.openxmlformats.org/officeDocument/2006/relationships" xmlns:p="http://schemas.openxmlformats.org/presentationml/2006/main">
+  <p:cSld>
+    <p:spTree>
+      <p:nvGrpSpPr>
+        <p:cNvPr id="1" name=""/>
+        <p:cNvGrpSpPr/>
+        <p:nvPr/>
+      </p:nvGrpSpPr>
+      <p:grpSpPr>
+        <a:xfrm>
+          <a:off x="0" y="0"/>
+          <a:ext cx="0" cy="0"/>
+          <a:chOff x="0" y="0"/>
+          <a:chExt cx="0" cy="0"/>
+        </a:xfrm>
+      </p:grpSpPr>
+      <p:sp>
+        <p:nvSpPr>
+          <p:cNvPr id="2" name="Title 1">
+            <a:extLst>
+              <a:ext uri="{FF2B5EF4-FFF2-40B4-BE49-F238E27FC236}">
                 <a16:creationId xmlns:a16="http://schemas.microsoft.com/office/drawing/2014/main" id="{BA17CE7B-B3AD-43F6-A391-642278F2AD83}"/>
               </a:ext>
             </a:extLst>
@@ -10020,6 +10168,810 @@
     <p:extLst>
       <p:ext uri="{BB962C8B-B14F-4D97-AF65-F5344CB8AC3E}">
         <p14:creationId xmlns:p14="http://schemas.microsoft.com/office/powerpoint/2010/main" val="3158952909"/>
+      </p:ext>
+    </p:extLst>
+  </p:cSld>
+  <p:clrMapOvr>
+    <a:masterClrMapping/>
+  </p:clrMapOvr>
+</p:sld>
+</file>
+
+<file path=ppt/slides/slide23.xml><?xml version="1.0" encoding="utf-8"?>
+<p:sld xmlns:a="http://schemas.openxmlformats.org/drawingml/2006/main" xmlns:r="http://schemas.openxmlformats.org/officeDocument/2006/relationships" xmlns:p="http://schemas.openxmlformats.org/presentationml/2006/main">
+  <p:cSld>
+    <p:spTree>
+      <p:nvGrpSpPr>
+        <p:cNvPr id="1" name=""/>
+        <p:cNvGrpSpPr/>
+        <p:nvPr/>
+      </p:nvGrpSpPr>
+      <p:grpSpPr>
+        <a:xfrm>
+          <a:off x="0" y="0"/>
+          <a:ext cx="0" cy="0"/>
+          <a:chOff x="0" y="0"/>
+          <a:chExt cx="0" cy="0"/>
+        </a:xfrm>
+      </p:grpSpPr>
+      <p:sp>
+        <p:nvSpPr>
+          <p:cNvPr id="2" name="Title 1">
+            <a:extLst>
+              <a:ext uri="{FF2B5EF4-FFF2-40B4-BE49-F238E27FC236}">
+                <a16:creationId xmlns:a16="http://schemas.microsoft.com/office/drawing/2014/main" id="{8CD3354E-B110-421C-AA4F-CDC245E66551}"/>
+              </a:ext>
+            </a:extLst>
+          </p:cNvPr>
+          <p:cNvSpPr>
+            <a:spLocks noGrp="1"/>
+          </p:cNvSpPr>
+          <p:nvPr>
+            <p:ph type="title"/>
+          </p:nvPr>
+        </p:nvSpPr>
+        <p:spPr/>
+        <p:txBody>
+          <a:bodyPr/>
+          <a:lstStyle/>
+          <a:p>
+            <a:r>
+              <a:rPr lang="en-IN" dirty="0"/>
+              <a:t>Processor Settings</a:t>
+            </a:r>
+          </a:p>
+        </p:txBody>
+      </p:sp>
+      <p:sp>
+        <p:nvSpPr>
+          <p:cNvPr id="3" name="Content Placeholder 2">
+            <a:extLst>
+              <a:ext uri="{FF2B5EF4-FFF2-40B4-BE49-F238E27FC236}">
+                <a16:creationId xmlns:a16="http://schemas.microsoft.com/office/drawing/2014/main" id="{E9182EA3-B233-4DE2-BF70-9E971ACE36AE}"/>
+              </a:ext>
+            </a:extLst>
+          </p:cNvPr>
+          <p:cNvSpPr>
+            <a:spLocks noGrp="1"/>
+          </p:cNvSpPr>
+          <p:nvPr>
+            <p:ph idx="1"/>
+          </p:nvPr>
+        </p:nvSpPr>
+        <p:spPr/>
+        <p:txBody>
+          <a:bodyPr/>
+          <a:lstStyle/>
+          <a:p>
+            <a:r>
+              <a:rPr lang="en-IN" dirty="0"/>
+              <a:t>There are 4 tabs available inside the processor configuration</a:t>
+            </a:r>
+          </a:p>
+          <a:p>
+            <a:pPr lvl="1"/>
+            <a:r>
+              <a:rPr lang="en-IN" dirty="0"/>
+              <a:t>Settings</a:t>
+            </a:r>
+          </a:p>
+          <a:p>
+            <a:pPr lvl="1"/>
+            <a:r>
+              <a:rPr lang="en-IN" dirty="0"/>
+              <a:t>Scheduling</a:t>
+            </a:r>
+          </a:p>
+          <a:p>
+            <a:pPr lvl="1"/>
+            <a:r>
+              <a:rPr lang="en-IN" dirty="0"/>
+              <a:t>Properties</a:t>
+            </a:r>
+          </a:p>
+          <a:p>
+            <a:pPr lvl="1"/>
+            <a:r>
+              <a:rPr lang="en-IN" dirty="0"/>
+              <a:t>Comments</a:t>
+            </a:r>
+          </a:p>
+          <a:p>
+            <a:pPr marL="0" indent="0">
+              <a:buNone/>
+            </a:pPr>
+            <a:endParaRPr lang="en-IN" dirty="0"/>
+          </a:p>
+          <a:p>
+            <a:endParaRPr lang="en-IN" dirty="0"/>
+          </a:p>
+        </p:txBody>
+      </p:sp>
+    </p:spTree>
+    <p:extLst>
+      <p:ext uri="{BB962C8B-B14F-4D97-AF65-F5344CB8AC3E}">
+        <p14:creationId xmlns:p14="http://schemas.microsoft.com/office/powerpoint/2010/main" val="3128327608"/>
+      </p:ext>
+    </p:extLst>
+  </p:cSld>
+  <p:clrMapOvr>
+    <a:masterClrMapping/>
+  </p:clrMapOvr>
+</p:sld>
+</file>
+
+<file path=ppt/slides/slide24.xml><?xml version="1.0" encoding="utf-8"?>
+<p:sld xmlns:a="http://schemas.openxmlformats.org/drawingml/2006/main" xmlns:r="http://schemas.openxmlformats.org/officeDocument/2006/relationships" xmlns:p="http://schemas.openxmlformats.org/presentationml/2006/main">
+  <p:cSld>
+    <p:spTree>
+      <p:nvGrpSpPr>
+        <p:cNvPr id="1" name=""/>
+        <p:cNvGrpSpPr/>
+        <p:nvPr/>
+      </p:nvGrpSpPr>
+      <p:grpSpPr>
+        <a:xfrm>
+          <a:off x="0" y="0"/>
+          <a:ext cx="0" cy="0"/>
+          <a:chOff x="0" y="0"/>
+          <a:chExt cx="0" cy="0"/>
+        </a:xfrm>
+      </p:grpSpPr>
+      <p:sp>
+        <p:nvSpPr>
+          <p:cNvPr id="2" name="Title 1">
+            <a:extLst>
+              <a:ext uri="{FF2B5EF4-FFF2-40B4-BE49-F238E27FC236}">
+                <a16:creationId xmlns:a16="http://schemas.microsoft.com/office/drawing/2014/main" id="{788BCE3B-B1EB-499B-9ACD-B355E67B7E4E}"/>
+              </a:ext>
+            </a:extLst>
+          </p:cNvPr>
+          <p:cNvSpPr>
+            <a:spLocks noGrp="1"/>
+          </p:cNvSpPr>
+          <p:nvPr>
+            <p:ph type="title"/>
+          </p:nvPr>
+        </p:nvSpPr>
+        <p:spPr/>
+        <p:txBody>
+          <a:bodyPr/>
+          <a:lstStyle/>
+          <a:p>
+            <a:r>
+              <a:rPr lang="en-IN" dirty="0"/>
+              <a:t>Settings TAB</a:t>
+            </a:r>
+          </a:p>
+        </p:txBody>
+      </p:sp>
+      <p:sp>
+        <p:nvSpPr>
+          <p:cNvPr id="3" name="Content Placeholder 2">
+            <a:extLst>
+              <a:ext uri="{FF2B5EF4-FFF2-40B4-BE49-F238E27FC236}">
+                <a16:creationId xmlns:a16="http://schemas.microsoft.com/office/drawing/2014/main" id="{606CF427-D385-42F0-807B-ECF84AD23138}"/>
+              </a:ext>
+            </a:extLst>
+          </p:cNvPr>
+          <p:cNvSpPr>
+            <a:spLocks noGrp="1"/>
+          </p:cNvSpPr>
+          <p:nvPr>
+            <p:ph idx="1"/>
+          </p:nvPr>
+        </p:nvSpPr>
+        <p:spPr/>
+        <p:txBody>
+          <a:bodyPr/>
+          <a:lstStyle/>
+          <a:p>
+            <a:r>
+              <a:rPr lang="en-IN" dirty="0"/>
+              <a:t>This will be the place can do all the common  settings against the specific processor</a:t>
+            </a:r>
+          </a:p>
+          <a:p>
+            <a:r>
+              <a:rPr lang="en-IN" dirty="0"/>
+              <a:t>Name</a:t>
+            </a:r>
+          </a:p>
+          <a:p>
+            <a:r>
+              <a:rPr lang="en-IN" dirty="0"/>
+              <a:t>Enabled/disabled</a:t>
+            </a:r>
+          </a:p>
+          <a:p>
+            <a:r>
+              <a:rPr lang="en-IN" dirty="0"/>
+              <a:t>ID</a:t>
+            </a:r>
+          </a:p>
+          <a:p>
+            <a:r>
+              <a:rPr lang="en-IN" dirty="0"/>
+              <a:t>Type</a:t>
+            </a:r>
+          </a:p>
+          <a:p>
+            <a:r>
+              <a:rPr lang="en-IN" dirty="0"/>
+              <a:t>Bundle</a:t>
+            </a:r>
+          </a:p>
+          <a:p>
+            <a:r>
+              <a:rPr lang="en-IN" dirty="0"/>
+              <a:t>Penalty Duration</a:t>
+            </a:r>
+          </a:p>
+          <a:p>
+            <a:r>
+              <a:rPr lang="en-IN" dirty="0"/>
+              <a:t>Yield Duration</a:t>
+            </a:r>
+          </a:p>
+          <a:p>
+            <a:r>
+              <a:rPr lang="en-IN" dirty="0" err="1"/>
+              <a:t>Bullletin</a:t>
+            </a:r>
+            <a:r>
+              <a:rPr lang="en-IN" dirty="0"/>
+              <a:t> level -&gt; WARNING</a:t>
+            </a:r>
+          </a:p>
+        </p:txBody>
+      </p:sp>
+    </p:spTree>
+    <p:extLst>
+      <p:ext uri="{BB962C8B-B14F-4D97-AF65-F5344CB8AC3E}">
+        <p14:creationId xmlns:p14="http://schemas.microsoft.com/office/powerpoint/2010/main" val="3112717369"/>
+      </p:ext>
+    </p:extLst>
+  </p:cSld>
+  <p:clrMapOvr>
+    <a:masterClrMapping/>
+  </p:clrMapOvr>
+</p:sld>
+</file>
+
+<file path=ppt/slides/slide25.xml><?xml version="1.0" encoding="utf-8"?>
+<p:sld xmlns:a="http://schemas.openxmlformats.org/drawingml/2006/main" xmlns:r="http://schemas.openxmlformats.org/officeDocument/2006/relationships" xmlns:p="http://schemas.openxmlformats.org/presentationml/2006/main">
+  <p:cSld>
+    <p:spTree>
+      <p:nvGrpSpPr>
+        <p:cNvPr id="1" name=""/>
+        <p:cNvGrpSpPr/>
+        <p:nvPr/>
+      </p:nvGrpSpPr>
+      <p:grpSpPr>
+        <a:xfrm>
+          <a:off x="0" y="0"/>
+          <a:ext cx="0" cy="0"/>
+          <a:chOff x="0" y="0"/>
+          <a:chExt cx="0" cy="0"/>
+        </a:xfrm>
+      </p:grpSpPr>
+      <p:sp>
+        <p:nvSpPr>
+          <p:cNvPr id="2" name="Title 1">
+            <a:extLst>
+              <a:ext uri="{FF2B5EF4-FFF2-40B4-BE49-F238E27FC236}">
+                <a16:creationId xmlns:a16="http://schemas.microsoft.com/office/drawing/2014/main" id="{8F42CF75-36B8-4FC6-8486-7E3A7BBD2F7A}"/>
+              </a:ext>
+            </a:extLst>
+          </p:cNvPr>
+          <p:cNvSpPr>
+            <a:spLocks noGrp="1"/>
+          </p:cNvSpPr>
+          <p:nvPr>
+            <p:ph type="title"/>
+          </p:nvPr>
+        </p:nvSpPr>
+        <p:spPr/>
+        <p:txBody>
+          <a:bodyPr/>
+          <a:lstStyle/>
+          <a:p>
+            <a:r>
+              <a:rPr lang="en-IN" dirty="0"/>
+              <a:t>Penalty Duration</a:t>
+            </a:r>
+          </a:p>
+        </p:txBody>
+      </p:sp>
+      <p:sp>
+        <p:nvSpPr>
+          <p:cNvPr id="3" name="Content Placeholder 2">
+            <a:extLst>
+              <a:ext uri="{FF2B5EF4-FFF2-40B4-BE49-F238E27FC236}">
+                <a16:creationId xmlns:a16="http://schemas.microsoft.com/office/drawing/2014/main" id="{0304B8CC-5FD0-4153-822C-564D2838BA93}"/>
+              </a:ext>
+            </a:extLst>
+          </p:cNvPr>
+          <p:cNvSpPr>
+            <a:spLocks noGrp="1"/>
+          </p:cNvSpPr>
+          <p:nvPr>
+            <p:ph idx="1"/>
+          </p:nvPr>
+        </p:nvSpPr>
+        <p:spPr/>
+        <p:txBody>
+          <a:bodyPr/>
+          <a:lstStyle/>
+          <a:p>
+            <a:r>
+              <a:rPr lang="en-IN" dirty="0"/>
+              <a:t>Whenever the flow file is getting processed, there might be some error where the particular flow file may get processed after some duration</a:t>
+            </a:r>
+          </a:p>
+          <a:p>
+            <a:r>
+              <a:rPr lang="en-IN" dirty="0"/>
+              <a:t>After sometime it can retry, so that system will do the that specific flow file will retry after sometime.</a:t>
+            </a:r>
+          </a:p>
+          <a:p>
+            <a:r>
+              <a:rPr lang="en-IN" dirty="0"/>
+              <a:t>By default retry time set to 30 SEC, If I want to customize I can do that</a:t>
+            </a:r>
+          </a:p>
+          <a:p>
+            <a:r>
+              <a:rPr lang="en-IN" dirty="0"/>
+              <a:t>When the penalty duration is happen against the flow file, the further flow file that is coming into the specific processor will continue to happen</a:t>
+            </a:r>
+          </a:p>
+          <a:p>
+            <a:endParaRPr lang="en-IN" dirty="0"/>
+          </a:p>
+        </p:txBody>
+      </p:sp>
+    </p:spTree>
+    <p:extLst>
+      <p:ext uri="{BB962C8B-B14F-4D97-AF65-F5344CB8AC3E}">
+        <p14:creationId xmlns:p14="http://schemas.microsoft.com/office/powerpoint/2010/main" val="811296565"/>
+      </p:ext>
+    </p:extLst>
+  </p:cSld>
+  <p:clrMapOvr>
+    <a:masterClrMapping/>
+  </p:clrMapOvr>
+</p:sld>
+</file>
+
+<file path=ppt/slides/slide26.xml><?xml version="1.0" encoding="utf-8"?>
+<p:sld xmlns:a="http://schemas.openxmlformats.org/drawingml/2006/main" xmlns:r="http://schemas.openxmlformats.org/officeDocument/2006/relationships" xmlns:p="http://schemas.openxmlformats.org/presentationml/2006/main">
+  <p:cSld>
+    <p:spTree>
+      <p:nvGrpSpPr>
+        <p:cNvPr id="1" name=""/>
+        <p:cNvGrpSpPr/>
+        <p:nvPr/>
+      </p:nvGrpSpPr>
+      <p:grpSpPr>
+        <a:xfrm>
+          <a:off x="0" y="0"/>
+          <a:ext cx="0" cy="0"/>
+          <a:chOff x="0" y="0"/>
+          <a:chExt cx="0" cy="0"/>
+        </a:xfrm>
+      </p:grpSpPr>
+      <p:sp>
+        <p:nvSpPr>
+          <p:cNvPr id="2" name="Title 1">
+            <a:extLst>
+              <a:ext uri="{FF2B5EF4-FFF2-40B4-BE49-F238E27FC236}">
+                <a16:creationId xmlns:a16="http://schemas.microsoft.com/office/drawing/2014/main" id="{3768BDF6-47BC-48D1-B006-936E8EA89D51}"/>
+              </a:ext>
+            </a:extLst>
+          </p:cNvPr>
+          <p:cNvSpPr>
+            <a:spLocks noGrp="1"/>
+          </p:cNvSpPr>
+          <p:nvPr>
+            <p:ph type="title"/>
+          </p:nvPr>
+        </p:nvSpPr>
+        <p:spPr/>
+        <p:txBody>
+          <a:bodyPr/>
+          <a:lstStyle/>
+          <a:p>
+            <a:r>
+              <a:rPr lang="en-IN" dirty="0"/>
+              <a:t>Yield Duration</a:t>
+            </a:r>
+            <a:br>
+              <a:rPr lang="en-IN" dirty="0"/>
+            </a:br>
+            <a:r>
+              <a:rPr lang="en-IN" dirty="0"/>
+              <a:t>	</a:t>
+            </a:r>
+          </a:p>
+        </p:txBody>
+      </p:sp>
+      <p:sp>
+        <p:nvSpPr>
+          <p:cNvPr id="3" name="Content Placeholder 2">
+            <a:extLst>
+              <a:ext uri="{FF2B5EF4-FFF2-40B4-BE49-F238E27FC236}">
+                <a16:creationId xmlns:a16="http://schemas.microsoft.com/office/drawing/2014/main" id="{023B69C0-5B6F-41B7-852A-06E7DDF7FC61}"/>
+              </a:ext>
+            </a:extLst>
+          </p:cNvPr>
+          <p:cNvSpPr>
+            <a:spLocks noGrp="1"/>
+          </p:cNvSpPr>
+          <p:nvPr>
+            <p:ph idx="1"/>
+          </p:nvPr>
+        </p:nvSpPr>
+        <p:spPr/>
+        <p:txBody>
+          <a:bodyPr/>
+          <a:lstStyle/>
+          <a:p>
+            <a:r>
+              <a:rPr lang="en-IN" dirty="0"/>
+              <a:t>There might be some situation where the processor cannot do the processing of any of the flow files</a:t>
+            </a:r>
+          </a:p>
+          <a:p>
+            <a:r>
+              <a:rPr lang="en-IN" dirty="0"/>
+              <a:t>There its going to have the yield duration, its going to inform the framework don’t allocate any further resources for this particular processor for this much of duration because it cant process any of the flow file in this processor </a:t>
+            </a:r>
+          </a:p>
+          <a:p>
+            <a:pPr marL="0" indent="0">
+              <a:buNone/>
+            </a:pPr>
+            <a:endParaRPr lang="en-IN" dirty="0"/>
+          </a:p>
+        </p:txBody>
+      </p:sp>
+    </p:spTree>
+    <p:extLst>
+      <p:ext uri="{BB962C8B-B14F-4D97-AF65-F5344CB8AC3E}">
+        <p14:creationId xmlns:p14="http://schemas.microsoft.com/office/powerpoint/2010/main" val="2947387535"/>
+      </p:ext>
+    </p:extLst>
+  </p:cSld>
+  <p:clrMapOvr>
+    <a:masterClrMapping/>
+  </p:clrMapOvr>
+</p:sld>
+</file>
+
+<file path=ppt/slides/slide27.xml><?xml version="1.0" encoding="utf-8"?>
+<p:sld xmlns:a="http://schemas.openxmlformats.org/drawingml/2006/main" xmlns:r="http://schemas.openxmlformats.org/officeDocument/2006/relationships" xmlns:p="http://schemas.openxmlformats.org/presentationml/2006/main">
+  <p:cSld>
+    <p:spTree>
+      <p:nvGrpSpPr>
+        <p:cNvPr id="1" name=""/>
+        <p:cNvGrpSpPr/>
+        <p:nvPr/>
+      </p:nvGrpSpPr>
+      <p:grpSpPr>
+        <a:xfrm>
+          <a:off x="0" y="0"/>
+          <a:ext cx="0" cy="0"/>
+          <a:chOff x="0" y="0"/>
+          <a:chExt cx="0" cy="0"/>
+        </a:xfrm>
+      </p:grpSpPr>
+      <p:sp>
+        <p:nvSpPr>
+          <p:cNvPr id="2" name="Title 1">
+            <a:extLst>
+              <a:ext uri="{FF2B5EF4-FFF2-40B4-BE49-F238E27FC236}">
+                <a16:creationId xmlns:a16="http://schemas.microsoft.com/office/drawing/2014/main" id="{93339D6B-3407-4821-BD70-57391F784BC7}"/>
+              </a:ext>
+            </a:extLst>
+          </p:cNvPr>
+          <p:cNvSpPr>
+            <a:spLocks noGrp="1"/>
+          </p:cNvSpPr>
+          <p:nvPr>
+            <p:ph type="title"/>
+          </p:nvPr>
+        </p:nvSpPr>
+        <p:spPr/>
+        <p:txBody>
+          <a:bodyPr/>
+          <a:lstStyle/>
+          <a:p>
+            <a:r>
+              <a:rPr lang="en-IN" dirty="0"/>
+              <a:t>Bulletin level</a:t>
+            </a:r>
+          </a:p>
+        </p:txBody>
+      </p:sp>
+      <p:sp>
+        <p:nvSpPr>
+          <p:cNvPr id="3" name="Content Placeholder 2">
+            <a:extLst>
+              <a:ext uri="{FF2B5EF4-FFF2-40B4-BE49-F238E27FC236}">
+                <a16:creationId xmlns:a16="http://schemas.microsoft.com/office/drawing/2014/main" id="{88A71AB5-3EAC-406E-ACE2-9A9A04B1F066}"/>
+              </a:ext>
+            </a:extLst>
+          </p:cNvPr>
+          <p:cNvSpPr>
+            <a:spLocks noGrp="1"/>
+          </p:cNvSpPr>
+          <p:nvPr>
+            <p:ph idx="1"/>
+          </p:nvPr>
+        </p:nvSpPr>
+        <p:spPr/>
+        <p:txBody>
+          <a:bodyPr/>
+          <a:lstStyle/>
+          <a:p>
+            <a:r>
+              <a:rPr lang="en-IN" dirty="0"/>
+              <a:t>Whatever the activity we are doing over there all the activity get logged along with that based on the configuration that we have with in the </a:t>
+            </a:r>
+          </a:p>
+        </p:txBody>
+      </p:sp>
+    </p:spTree>
+    <p:extLst>
+      <p:ext uri="{BB962C8B-B14F-4D97-AF65-F5344CB8AC3E}">
+        <p14:creationId xmlns:p14="http://schemas.microsoft.com/office/powerpoint/2010/main" val="3299164899"/>
+      </p:ext>
+    </p:extLst>
+  </p:cSld>
+  <p:clrMapOvr>
+    <a:masterClrMapping/>
+  </p:clrMapOvr>
+</p:sld>
+</file>
+
+<file path=ppt/slides/slide28.xml><?xml version="1.0" encoding="utf-8"?>
+<p:sld xmlns:a="http://schemas.openxmlformats.org/drawingml/2006/main" xmlns:r="http://schemas.openxmlformats.org/officeDocument/2006/relationships" xmlns:p="http://schemas.openxmlformats.org/presentationml/2006/main">
+  <p:cSld>
+    <p:spTree>
+      <p:nvGrpSpPr>
+        <p:cNvPr id="1" name=""/>
+        <p:cNvGrpSpPr/>
+        <p:nvPr/>
+      </p:nvGrpSpPr>
+      <p:grpSpPr>
+        <a:xfrm>
+          <a:off x="0" y="0"/>
+          <a:ext cx="0" cy="0"/>
+          <a:chOff x="0" y="0"/>
+          <a:chExt cx="0" cy="0"/>
+        </a:xfrm>
+      </p:grpSpPr>
+      <p:sp>
+        <p:nvSpPr>
+          <p:cNvPr id="2" name="Title 1">
+            <a:extLst>
+              <a:ext uri="{FF2B5EF4-FFF2-40B4-BE49-F238E27FC236}">
+                <a16:creationId xmlns:a16="http://schemas.microsoft.com/office/drawing/2014/main" id="{CBD3DE66-CC43-4BCA-AFC4-E9420568D576}"/>
+              </a:ext>
+            </a:extLst>
+          </p:cNvPr>
+          <p:cNvSpPr>
+            <a:spLocks noGrp="1"/>
+          </p:cNvSpPr>
+          <p:nvPr>
+            <p:ph type="title"/>
+          </p:nvPr>
+        </p:nvSpPr>
+        <p:spPr/>
+        <p:txBody>
+          <a:bodyPr/>
+          <a:lstStyle/>
+          <a:p>
+            <a:r>
+              <a:rPr lang="en-IN" dirty="0"/>
+              <a:t>Scheduling</a:t>
+            </a:r>
+          </a:p>
+        </p:txBody>
+      </p:sp>
+      <p:sp>
+        <p:nvSpPr>
+          <p:cNvPr id="3" name="Content Placeholder 2">
+            <a:extLst>
+              <a:ext uri="{FF2B5EF4-FFF2-40B4-BE49-F238E27FC236}">
+                <a16:creationId xmlns:a16="http://schemas.microsoft.com/office/drawing/2014/main" id="{E482F5A7-B569-412C-8BBE-1C481E03B4EA}"/>
+              </a:ext>
+            </a:extLst>
+          </p:cNvPr>
+          <p:cNvSpPr>
+            <a:spLocks noGrp="1"/>
+          </p:cNvSpPr>
+          <p:nvPr>
+            <p:ph idx="1"/>
+          </p:nvPr>
+        </p:nvSpPr>
+        <p:spPr/>
+        <p:txBody>
+          <a:bodyPr/>
+          <a:lstStyle/>
+          <a:p>
+            <a:r>
+              <a:rPr lang="en-IN" dirty="0"/>
+              <a:t>This will be setting that will contains the configuration of</a:t>
+            </a:r>
+          </a:p>
+          <a:p>
+            <a:r>
+              <a:rPr lang="en-IN" dirty="0"/>
+              <a:t>How long it should need to run</a:t>
+            </a:r>
+          </a:p>
+          <a:p>
+            <a:r>
+              <a:rPr lang="en-IN" dirty="0"/>
+              <a:t>How fast it should run</a:t>
+            </a:r>
+          </a:p>
+          <a:p>
+            <a:r>
+              <a:rPr lang="en-IN" dirty="0"/>
+              <a:t>Latency</a:t>
+            </a:r>
+          </a:p>
+          <a:p>
+            <a:r>
+              <a:rPr lang="en-IN" dirty="0"/>
+              <a:t>Throughput</a:t>
+            </a:r>
+          </a:p>
+          <a:p>
+            <a:r>
+              <a:rPr lang="en-IN" dirty="0"/>
+              <a:t>3 types od scheduling strategy will be there</a:t>
+            </a:r>
+          </a:p>
+          <a:p>
+            <a:pPr lvl="1"/>
+            <a:r>
+              <a:rPr lang="en-IN" dirty="0"/>
+              <a:t>Timer Driven</a:t>
+            </a:r>
+          </a:p>
+          <a:p>
+            <a:pPr lvl="1"/>
+            <a:r>
+              <a:rPr lang="en-IN" dirty="0"/>
+              <a:t>Event Driven</a:t>
+            </a:r>
+          </a:p>
+          <a:p>
+            <a:pPr lvl="1"/>
+            <a:r>
+              <a:rPr lang="en-IN" dirty="0"/>
+              <a:t>CRON Driven</a:t>
+            </a:r>
+          </a:p>
+        </p:txBody>
+      </p:sp>
+    </p:spTree>
+    <p:extLst>
+      <p:ext uri="{BB962C8B-B14F-4D97-AF65-F5344CB8AC3E}">
+        <p14:creationId xmlns:p14="http://schemas.microsoft.com/office/powerpoint/2010/main" val="1889372437"/>
+      </p:ext>
+    </p:extLst>
+  </p:cSld>
+  <p:clrMapOvr>
+    <a:masterClrMapping/>
+  </p:clrMapOvr>
+</p:sld>
+</file>
+
+<file path=ppt/slides/slide29.xml><?xml version="1.0" encoding="utf-8"?>
+<p:sld xmlns:a="http://schemas.openxmlformats.org/drawingml/2006/main" xmlns:r="http://schemas.openxmlformats.org/officeDocument/2006/relationships" xmlns:p="http://schemas.openxmlformats.org/presentationml/2006/main">
+  <p:cSld>
+    <p:spTree>
+      <p:nvGrpSpPr>
+        <p:cNvPr id="1" name=""/>
+        <p:cNvGrpSpPr/>
+        <p:nvPr/>
+      </p:nvGrpSpPr>
+      <p:grpSpPr>
+        <a:xfrm>
+          <a:off x="0" y="0"/>
+          <a:ext cx="0" cy="0"/>
+          <a:chOff x="0" y="0"/>
+          <a:chExt cx="0" cy="0"/>
+        </a:xfrm>
+      </p:grpSpPr>
+      <p:sp>
+        <p:nvSpPr>
+          <p:cNvPr id="2" name="Title 1">
+            <a:extLst>
+              <a:ext uri="{FF2B5EF4-FFF2-40B4-BE49-F238E27FC236}">
+                <a16:creationId xmlns:a16="http://schemas.microsoft.com/office/drawing/2014/main" id="{DA3187A9-B94D-4C5B-964B-FA2784CB19C5}"/>
+              </a:ext>
+            </a:extLst>
+          </p:cNvPr>
+          <p:cNvSpPr>
+            <a:spLocks noGrp="1"/>
+          </p:cNvSpPr>
+          <p:nvPr>
+            <p:ph type="title"/>
+          </p:nvPr>
+        </p:nvSpPr>
+        <p:spPr/>
+        <p:txBody>
+          <a:bodyPr/>
+          <a:lstStyle/>
+          <a:p>
+            <a:r>
+              <a:rPr lang="en-IN" dirty="0"/>
+              <a:t>Timer Driven</a:t>
+            </a:r>
+            <a:br>
+              <a:rPr lang="en-IN" dirty="0"/>
+            </a:br>
+            <a:r>
+              <a:rPr lang="en-IN" dirty="0"/>
+              <a:t>		</a:t>
+            </a:r>
+          </a:p>
+        </p:txBody>
+      </p:sp>
+      <p:sp>
+        <p:nvSpPr>
+          <p:cNvPr id="3" name="Content Placeholder 2">
+            <a:extLst>
+              <a:ext uri="{FF2B5EF4-FFF2-40B4-BE49-F238E27FC236}">
+                <a16:creationId xmlns:a16="http://schemas.microsoft.com/office/drawing/2014/main" id="{70A44389-C392-4CB5-B239-692CA1C7A34D}"/>
+              </a:ext>
+            </a:extLst>
+          </p:cNvPr>
+          <p:cNvSpPr>
+            <a:spLocks noGrp="1"/>
+          </p:cNvSpPr>
+          <p:nvPr>
+            <p:ph idx="1"/>
+          </p:nvPr>
+        </p:nvSpPr>
+        <p:spPr/>
+        <p:txBody>
+          <a:bodyPr/>
+          <a:lstStyle/>
+          <a:p>
+            <a:r>
+              <a:rPr lang="en-IN" dirty="0"/>
+              <a:t>Default Scheduling Strategy	</a:t>
+            </a:r>
+          </a:p>
+          <a:p>
+            <a:r>
+              <a:rPr lang="en-IN" dirty="0"/>
+              <a:t>In this timer driven processor will be scheduled on regular interval</a:t>
+            </a:r>
+          </a:p>
+          <a:p>
+            <a:r>
+              <a:rPr lang="en-IN" dirty="0"/>
+              <a:t>It is decided by run schedule</a:t>
+            </a:r>
+          </a:p>
+          <a:p>
+            <a:endParaRPr lang="en-IN" dirty="0"/>
+          </a:p>
+        </p:txBody>
+      </p:sp>
+    </p:spTree>
+    <p:extLst>
+      <p:ext uri="{BB962C8B-B14F-4D97-AF65-F5344CB8AC3E}">
+        <p14:creationId xmlns:p14="http://schemas.microsoft.com/office/powerpoint/2010/main" val="2738414929"/>
       </p:ext>
     </p:extLst>
   </p:cSld>
@@ -10520,6 +11472,370 @@
     <p:extLst>
       <p:ext uri="{BB962C8B-B14F-4D97-AF65-F5344CB8AC3E}">
         <p14:creationId xmlns:p14="http://schemas.microsoft.com/office/powerpoint/2010/main" val="267753453"/>
+      </p:ext>
+    </p:extLst>
+  </p:cSld>
+  <p:clrMapOvr>
+    <a:masterClrMapping/>
+  </p:clrMapOvr>
+</p:sld>
+</file>
+
+<file path=ppt/slides/slide30.xml><?xml version="1.0" encoding="utf-8"?>
+<p:sld xmlns:a="http://schemas.openxmlformats.org/drawingml/2006/main" xmlns:r="http://schemas.openxmlformats.org/officeDocument/2006/relationships" xmlns:p="http://schemas.openxmlformats.org/presentationml/2006/main">
+  <p:cSld>
+    <p:spTree>
+      <p:nvGrpSpPr>
+        <p:cNvPr id="1" name=""/>
+        <p:cNvGrpSpPr/>
+        <p:nvPr/>
+      </p:nvGrpSpPr>
+      <p:grpSpPr>
+        <a:xfrm>
+          <a:off x="0" y="0"/>
+          <a:ext cx="0" cy="0"/>
+          <a:chOff x="0" y="0"/>
+          <a:chExt cx="0" cy="0"/>
+        </a:xfrm>
+      </p:grpSpPr>
+      <p:sp>
+        <p:nvSpPr>
+          <p:cNvPr id="2" name="Title 1">
+            <a:extLst>
+              <a:ext uri="{FF2B5EF4-FFF2-40B4-BE49-F238E27FC236}">
+                <a16:creationId xmlns:a16="http://schemas.microsoft.com/office/drawing/2014/main" id="{6AA6E5BA-287E-410C-86D1-2D0FBBDF7BF9}"/>
+              </a:ext>
+            </a:extLst>
+          </p:cNvPr>
+          <p:cNvSpPr>
+            <a:spLocks noGrp="1"/>
+          </p:cNvSpPr>
+          <p:nvPr>
+            <p:ph type="title"/>
+          </p:nvPr>
+        </p:nvSpPr>
+        <p:spPr/>
+        <p:txBody>
+          <a:bodyPr/>
+          <a:lstStyle/>
+          <a:p>
+            <a:r>
+              <a:rPr lang="en-IN" dirty="0"/>
+              <a:t>Event Driven</a:t>
+            </a:r>
+          </a:p>
+        </p:txBody>
+      </p:sp>
+      <p:sp>
+        <p:nvSpPr>
+          <p:cNvPr id="3" name="Content Placeholder 2">
+            <a:extLst>
+              <a:ext uri="{FF2B5EF4-FFF2-40B4-BE49-F238E27FC236}">
+                <a16:creationId xmlns:a16="http://schemas.microsoft.com/office/drawing/2014/main" id="{D73E3199-DFBD-4C3D-952B-605544B641E3}"/>
+              </a:ext>
+            </a:extLst>
+          </p:cNvPr>
+          <p:cNvSpPr>
+            <a:spLocks noGrp="1"/>
+          </p:cNvSpPr>
+          <p:nvPr>
+            <p:ph idx="1"/>
+          </p:nvPr>
+        </p:nvSpPr>
+        <p:spPr/>
+        <p:txBody>
+          <a:bodyPr/>
+          <a:lstStyle/>
+          <a:p>
+            <a:r>
+              <a:rPr lang="en-IN" dirty="0"/>
+              <a:t>Not supported by all the processors</a:t>
+            </a:r>
+          </a:p>
+          <a:p>
+            <a:r>
+              <a:rPr lang="en-IN" dirty="0"/>
+              <a:t>It may be removed in future</a:t>
+            </a:r>
+          </a:p>
+        </p:txBody>
+      </p:sp>
+    </p:spTree>
+    <p:extLst>
+      <p:ext uri="{BB962C8B-B14F-4D97-AF65-F5344CB8AC3E}">
+        <p14:creationId xmlns:p14="http://schemas.microsoft.com/office/powerpoint/2010/main" val="4062040845"/>
+      </p:ext>
+    </p:extLst>
+  </p:cSld>
+  <p:clrMapOvr>
+    <a:masterClrMapping/>
+  </p:clrMapOvr>
+</p:sld>
+</file>
+
+<file path=ppt/slides/slide31.xml><?xml version="1.0" encoding="utf-8"?>
+<p:sld xmlns:a="http://schemas.openxmlformats.org/drawingml/2006/main" xmlns:r="http://schemas.openxmlformats.org/officeDocument/2006/relationships" xmlns:p="http://schemas.openxmlformats.org/presentationml/2006/main">
+  <p:cSld>
+    <p:spTree>
+      <p:nvGrpSpPr>
+        <p:cNvPr id="1" name=""/>
+        <p:cNvGrpSpPr/>
+        <p:nvPr/>
+      </p:nvGrpSpPr>
+      <p:grpSpPr>
+        <a:xfrm>
+          <a:off x="0" y="0"/>
+          <a:ext cx="0" cy="0"/>
+          <a:chOff x="0" y="0"/>
+          <a:chExt cx="0" cy="0"/>
+        </a:xfrm>
+      </p:grpSpPr>
+      <p:sp>
+        <p:nvSpPr>
+          <p:cNvPr id="2" name="Title 1">
+            <a:extLst>
+              <a:ext uri="{FF2B5EF4-FFF2-40B4-BE49-F238E27FC236}">
+                <a16:creationId xmlns:a16="http://schemas.microsoft.com/office/drawing/2014/main" id="{B25A3D6A-BE37-4B19-9E0F-3A7AED1F7745}"/>
+              </a:ext>
+            </a:extLst>
+          </p:cNvPr>
+          <p:cNvSpPr>
+            <a:spLocks noGrp="1"/>
+          </p:cNvSpPr>
+          <p:nvPr>
+            <p:ph type="title"/>
+          </p:nvPr>
+        </p:nvSpPr>
+        <p:spPr/>
+        <p:txBody>
+          <a:bodyPr/>
+          <a:lstStyle/>
+          <a:p>
+            <a:r>
+              <a:rPr lang="en-IN" dirty="0"/>
+              <a:t>CRON Driven</a:t>
+            </a:r>
+          </a:p>
+        </p:txBody>
+      </p:sp>
+      <p:pic>
+        <p:nvPicPr>
+          <p:cNvPr id="5" name="Content Placeholder 4">
+            <a:extLst>
+              <a:ext uri="{FF2B5EF4-FFF2-40B4-BE49-F238E27FC236}">
+                <a16:creationId xmlns:a16="http://schemas.microsoft.com/office/drawing/2014/main" id="{B4F62EEE-AF94-46AA-BC4A-20D85AAD5D16}"/>
+              </a:ext>
+            </a:extLst>
+          </p:cNvPr>
+          <p:cNvPicPr>
+            <a:picLocks noGrp="1" noChangeAspect="1"/>
+          </p:cNvPicPr>
+          <p:nvPr>
+            <p:ph idx="1"/>
+          </p:nvPr>
+        </p:nvPicPr>
+        <p:blipFill>
+          <a:blip r:embed="rId2">
+            <a:extLst>
+              <a:ext uri="{28A0092B-C50C-407E-A947-70E740481C1C}">
+                <a14:useLocalDpi xmlns:a14="http://schemas.microsoft.com/office/drawing/2010/main" val="0"/>
+              </a:ext>
+            </a:extLst>
+          </a:blip>
+          <a:stretch>
+            <a:fillRect/>
+          </a:stretch>
+        </p:blipFill>
+        <p:spPr>
+          <a:xfrm>
+            <a:off x="1878466" y="2264569"/>
+            <a:ext cx="5715000" cy="2857500"/>
+          </a:xfrm>
+        </p:spPr>
+      </p:pic>
+    </p:spTree>
+    <p:extLst>
+      <p:ext uri="{BB962C8B-B14F-4D97-AF65-F5344CB8AC3E}">
+        <p14:creationId xmlns:p14="http://schemas.microsoft.com/office/powerpoint/2010/main" val="3424049101"/>
+      </p:ext>
+    </p:extLst>
+  </p:cSld>
+  <p:clrMapOvr>
+    <a:masterClrMapping/>
+  </p:clrMapOvr>
+</p:sld>
+</file>
+
+<file path=ppt/slides/slide32.xml><?xml version="1.0" encoding="utf-8"?>
+<p:sld xmlns:a="http://schemas.openxmlformats.org/drawingml/2006/main" xmlns:r="http://schemas.openxmlformats.org/officeDocument/2006/relationships" xmlns:p="http://schemas.openxmlformats.org/presentationml/2006/main">
+  <p:cSld>
+    <p:spTree>
+      <p:nvGrpSpPr>
+        <p:cNvPr id="1" name=""/>
+        <p:cNvGrpSpPr/>
+        <p:nvPr/>
+      </p:nvGrpSpPr>
+      <p:grpSpPr>
+        <a:xfrm>
+          <a:off x="0" y="0"/>
+          <a:ext cx="0" cy="0"/>
+          <a:chOff x="0" y="0"/>
+          <a:chExt cx="0" cy="0"/>
+        </a:xfrm>
+      </p:grpSpPr>
+      <p:sp>
+        <p:nvSpPr>
+          <p:cNvPr id="2" name="Title 1">
+            <a:extLst>
+              <a:ext uri="{FF2B5EF4-FFF2-40B4-BE49-F238E27FC236}">
+                <a16:creationId xmlns:a16="http://schemas.microsoft.com/office/drawing/2014/main" id="{88B66780-0D34-4314-BC37-12633E3A5C0D}"/>
+              </a:ext>
+            </a:extLst>
+          </p:cNvPr>
+          <p:cNvSpPr>
+            <a:spLocks noGrp="1"/>
+          </p:cNvSpPr>
+          <p:nvPr>
+            <p:ph type="title"/>
+          </p:nvPr>
+        </p:nvSpPr>
+        <p:spPr/>
+        <p:txBody>
+          <a:bodyPr/>
+          <a:lstStyle/>
+          <a:p>
+            <a:r>
+              <a:rPr lang="en-IN" dirty="0"/>
+              <a:t>CRON Driven</a:t>
+            </a:r>
+          </a:p>
+        </p:txBody>
+      </p:sp>
+      <p:sp>
+        <p:nvSpPr>
+          <p:cNvPr id="3" name="Content Placeholder 2">
+            <a:extLst>
+              <a:ext uri="{FF2B5EF4-FFF2-40B4-BE49-F238E27FC236}">
+                <a16:creationId xmlns:a16="http://schemas.microsoft.com/office/drawing/2014/main" id="{A7E3E1E9-8FB7-4017-8C90-C2164B1C1498}"/>
+              </a:ext>
+            </a:extLst>
+          </p:cNvPr>
+          <p:cNvSpPr>
+            <a:spLocks noGrp="1"/>
+          </p:cNvSpPr>
+          <p:nvPr>
+            <p:ph idx="1"/>
+          </p:nvPr>
+        </p:nvSpPr>
+        <p:spPr/>
+        <p:txBody>
+          <a:bodyPr>
+            <a:normAutofit fontScale="92500" lnSpcReduction="20000"/>
+          </a:bodyPr>
+          <a:lstStyle/>
+          <a:p>
+            <a:r>
+              <a:rPr lang="en-IN" dirty="0"/>
+              <a:t>Processors will be scheduled to run on periodic manner</a:t>
+            </a:r>
+          </a:p>
+          <a:p>
+            <a:r>
+              <a:rPr lang="en-IN" dirty="0"/>
+              <a:t>Work very similar that exist in Linux Cron Jobs</a:t>
+            </a:r>
+          </a:p>
+          <a:p>
+            <a:pPr marL="0" indent="0">
+              <a:buNone/>
+            </a:pPr>
+            <a:r>
+              <a:rPr lang="en-IN" dirty="0"/>
+              <a:t>Example</a:t>
+            </a:r>
+          </a:p>
+          <a:p>
+            <a:pPr>
+              <a:buFont typeface="Arial" panose="020B0604020202020204" pitchFamily="34" charset="0"/>
+              <a:buChar char="•"/>
+            </a:pPr>
+            <a:r>
+              <a:rPr lang="en-IN" dirty="0"/>
+              <a:t>* * * * * means for each and every minute of all the day it need to work</a:t>
+            </a:r>
+          </a:p>
+          <a:p>
+            <a:pPr>
+              <a:buFont typeface="Arial" panose="020B0604020202020204" pitchFamily="34" charset="0"/>
+              <a:buChar char="•"/>
+            </a:pPr>
+            <a:r>
+              <a:rPr lang="en-IN" dirty="0"/>
+              <a:t>1 * * * * means for each and every minute of all the day it need to work</a:t>
+            </a:r>
+          </a:p>
+          <a:p>
+            <a:pPr>
+              <a:buFont typeface="Arial" panose="020B0604020202020204" pitchFamily="34" charset="0"/>
+              <a:buChar char="•"/>
+            </a:pPr>
+            <a:r>
+              <a:rPr lang="en-IN" dirty="0"/>
+              <a:t>2 * * * * means each and every 2 minutes of all the day it should need to work</a:t>
+            </a:r>
+          </a:p>
+          <a:p>
+            <a:pPr>
+              <a:buFont typeface="Arial" panose="020B0604020202020204" pitchFamily="34" charset="0"/>
+              <a:buChar char="•"/>
+            </a:pPr>
+            <a:r>
+              <a:rPr lang="en-IN" dirty="0"/>
+              <a:t>2 13 * * * means each and everyday on 01:02 pm it should need to run</a:t>
+            </a:r>
+          </a:p>
+          <a:p>
+            <a:pPr>
+              <a:buFont typeface="Arial" panose="020B0604020202020204" pitchFamily="34" charset="0"/>
+              <a:buChar char="•"/>
+            </a:pPr>
+            <a:r>
+              <a:rPr lang="en-IN" dirty="0"/>
+              <a:t>2 18 1 * * means on 1 day of each and every month on 06:02 pm it will run</a:t>
+            </a:r>
+            <a:endParaRPr lang="en-IN" baseline="30000" dirty="0"/>
+          </a:p>
+          <a:p>
+            <a:pPr>
+              <a:buFont typeface="Arial" panose="020B0604020202020204" pitchFamily="34" charset="0"/>
+              <a:buChar char="•"/>
+            </a:pPr>
+            <a:r>
+              <a:rPr lang="en-IN" dirty="0"/>
+              <a:t>2 20 18 8 * means on </a:t>
+            </a:r>
+            <a:r>
+              <a:rPr lang="en-IN" dirty="0" err="1"/>
+              <a:t>aug</a:t>
+            </a:r>
+            <a:r>
+              <a:rPr lang="en-IN" dirty="0"/>
+              <a:t> month on day 18 on time 08:20 pm it need to execute</a:t>
+            </a:r>
+          </a:p>
+          <a:p>
+            <a:pPr>
+              <a:buFont typeface="Arial" panose="020B0604020202020204" pitchFamily="34" charset="0"/>
+              <a:buChar char="•"/>
+            </a:pPr>
+            <a:endParaRPr lang="en-IN" dirty="0"/>
+          </a:p>
+        </p:txBody>
+      </p:sp>
+    </p:spTree>
+    <p:extLst>
+      <p:ext uri="{BB962C8B-B14F-4D97-AF65-F5344CB8AC3E}">
+        <p14:creationId xmlns:p14="http://schemas.microsoft.com/office/powerpoint/2010/main" val="642559356"/>
       </p:ext>
     </p:extLst>
   </p:cSld>
